--- a/‏‏IOT - Project Presentation.pptx
+++ b/‏‏IOT - Project Presentation.pptx
@@ -11764,7 +11764,7 @@
         </p:nvSpPr>
         <p:spPr>
           <a:xfrm>
-            <a:off x="5562600" y="1411605"/>
+            <a:off x="5562600" y="1295781"/>
             <a:ext cx="2647504" cy="530076"/>
           </a:xfrm>
         </p:spPr>
@@ -11809,7 +11809,7 @@
         </p:nvSpPr>
         <p:spPr>
           <a:xfrm>
-            <a:off x="647155" y="1411224"/>
+            <a:off x="647155" y="1295400"/>
             <a:ext cx="2858045" cy="530076"/>
           </a:xfrm>
           <a:prstGeom prst="rect">
@@ -12062,7 +12062,7 @@
         </p:blipFill>
         <p:spPr bwMode="auto">
           <a:xfrm>
-            <a:off x="4943856" y="2438400"/>
+            <a:off x="4943856" y="2322576"/>
             <a:ext cx="4200144" cy="3584849"/>
           </a:xfrm>
           <a:prstGeom prst="rect">
@@ -12109,7 +12109,7 @@
         </p:blipFill>
         <p:spPr bwMode="auto">
           <a:xfrm>
-            <a:off x="228600" y="2092275"/>
+            <a:off x="228600" y="1976451"/>
             <a:ext cx="3886201" cy="4469751"/>
           </a:xfrm>
           <a:prstGeom prst="rect">
@@ -12127,6 +12127,160 @@
           </a:extLst>
         </p:spPr>
       </p:pic>
+      <p:sp>
+        <p:nvSpPr>
+          <p:cNvPr id="2" name="תיבת טקסט 1">
+            <a:extLst>
+              <a:ext uri="{FF2B5EF4-FFF2-40B4-BE49-F238E27FC236}">
+                <a16:creationId xmlns:a16="http://schemas.microsoft.com/office/drawing/2014/main" id="{6D0AD4E7-0FAF-F245-3A9D-557B56DB4969}"/>
+              </a:ext>
+            </a:extLst>
+          </p:cNvPr>
+          <p:cNvSpPr txBox="1"/>
+          <p:nvPr/>
+        </p:nvSpPr>
+        <p:spPr>
+          <a:xfrm>
+            <a:off x="2971800" y="5833566"/>
+            <a:ext cx="6019800" cy="872034"/>
+          </a:xfrm>
+          <a:prstGeom prst="rect">
+            <a:avLst/>
+          </a:prstGeom>
+          <a:noFill/>
+        </p:spPr>
+        <p:txBody>
+          <a:bodyPr wrap="square" rtlCol="1">
+            <a:spAutoFit/>
+          </a:bodyPr>
+          <a:lstStyle>
+            <a:defPPr>
+              <a:defRPr lang="en-US"/>
+            </a:defPPr>
+            <a:lvl1pPr marL="0" algn="l" defTabSz="914400" rtl="0" eaLnBrk="1" latinLnBrk="0" hangingPunct="1">
+              <a:defRPr sz="1800" kern="1200">
+                <a:solidFill>
+                  <a:schemeClr val="tx1"/>
+                </a:solidFill>
+                <a:latin typeface="+mn-lt"/>
+                <a:ea typeface="+mn-ea"/>
+                <a:cs typeface="+mn-cs"/>
+              </a:defRPr>
+            </a:lvl1pPr>
+            <a:lvl2pPr marL="457200" algn="l" defTabSz="914400" rtl="0" eaLnBrk="1" latinLnBrk="0" hangingPunct="1">
+              <a:defRPr sz="1800" kern="1200">
+                <a:solidFill>
+                  <a:schemeClr val="tx1"/>
+                </a:solidFill>
+                <a:latin typeface="+mn-lt"/>
+                <a:ea typeface="+mn-ea"/>
+                <a:cs typeface="+mn-cs"/>
+              </a:defRPr>
+            </a:lvl2pPr>
+            <a:lvl3pPr marL="914400" algn="l" defTabSz="914400" rtl="0" eaLnBrk="1" latinLnBrk="0" hangingPunct="1">
+              <a:defRPr sz="1800" kern="1200">
+                <a:solidFill>
+                  <a:schemeClr val="tx1"/>
+                </a:solidFill>
+                <a:latin typeface="+mn-lt"/>
+                <a:ea typeface="+mn-ea"/>
+                <a:cs typeface="+mn-cs"/>
+              </a:defRPr>
+            </a:lvl3pPr>
+            <a:lvl4pPr marL="1371600" algn="l" defTabSz="914400" rtl="0" eaLnBrk="1" latinLnBrk="0" hangingPunct="1">
+              <a:defRPr sz="1800" kern="1200">
+                <a:solidFill>
+                  <a:schemeClr val="tx1"/>
+                </a:solidFill>
+                <a:latin typeface="+mn-lt"/>
+                <a:ea typeface="+mn-ea"/>
+                <a:cs typeface="+mn-cs"/>
+              </a:defRPr>
+            </a:lvl4pPr>
+            <a:lvl5pPr marL="1828800" algn="l" defTabSz="914400" rtl="0" eaLnBrk="1" latinLnBrk="0" hangingPunct="1">
+              <a:defRPr sz="1800" kern="1200">
+                <a:solidFill>
+                  <a:schemeClr val="tx1"/>
+                </a:solidFill>
+                <a:latin typeface="+mn-lt"/>
+                <a:ea typeface="+mn-ea"/>
+                <a:cs typeface="+mn-cs"/>
+              </a:defRPr>
+            </a:lvl5pPr>
+            <a:lvl6pPr marL="2286000" algn="l" defTabSz="914400" rtl="0" eaLnBrk="1" latinLnBrk="0" hangingPunct="1">
+              <a:defRPr sz="1800" kern="1200">
+                <a:solidFill>
+                  <a:schemeClr val="tx1"/>
+                </a:solidFill>
+                <a:latin typeface="+mn-lt"/>
+                <a:ea typeface="+mn-ea"/>
+                <a:cs typeface="+mn-cs"/>
+              </a:defRPr>
+            </a:lvl6pPr>
+            <a:lvl7pPr marL="2743200" algn="l" defTabSz="914400" rtl="0" eaLnBrk="1" latinLnBrk="0" hangingPunct="1">
+              <a:defRPr sz="1800" kern="1200">
+                <a:solidFill>
+                  <a:schemeClr val="tx1"/>
+                </a:solidFill>
+                <a:latin typeface="+mn-lt"/>
+                <a:ea typeface="+mn-ea"/>
+                <a:cs typeface="+mn-cs"/>
+              </a:defRPr>
+            </a:lvl7pPr>
+            <a:lvl8pPr marL="3200400" algn="l" defTabSz="914400" rtl="0" eaLnBrk="1" latinLnBrk="0" hangingPunct="1">
+              <a:defRPr sz="1800" kern="1200">
+                <a:solidFill>
+                  <a:schemeClr val="tx1"/>
+                </a:solidFill>
+                <a:latin typeface="+mn-lt"/>
+                <a:ea typeface="+mn-ea"/>
+                <a:cs typeface="+mn-cs"/>
+              </a:defRPr>
+            </a:lvl8pPr>
+            <a:lvl9pPr marL="3657600" algn="l" defTabSz="914400" rtl="0" eaLnBrk="1" latinLnBrk="0" hangingPunct="1">
+              <a:defRPr sz="1800" kern="1200">
+                <a:solidFill>
+                  <a:schemeClr val="tx1"/>
+                </a:solidFill>
+                <a:latin typeface="+mn-lt"/>
+                <a:ea typeface="+mn-ea"/>
+                <a:cs typeface="+mn-cs"/>
+              </a:defRPr>
+            </a:lvl9pPr>
+          </a:lstStyle>
+          <a:p>
+            <a:pPr marL="285750" indent="-285750" algn="r" rtl="1">
+              <a:lnSpc>
+                <a:spcPct val="150000"/>
+              </a:lnSpc>
+              <a:buFont typeface="Arial" panose="020B0604020202020204" pitchFamily="34" charset="0"/>
+              <a:buChar char="•"/>
+            </a:pPr>
+            <a:r>
+              <a:rPr lang="he-IL" sz="1800" u="sng" kern="1200" dirty="0">
+                <a:solidFill>
+                  <a:srgbClr val="000000"/>
+                </a:solidFill>
+                <a:latin typeface="+mj-lt"/>
+                <a:ea typeface="+mj-ea"/>
+                <a:cs typeface="+mn-cs"/>
+              </a:rPr>
+              <a:t>הערה:</a:t>
+            </a:r>
+            <a:r>
+              <a:rPr lang="he-IL" sz="1800" kern="1200" dirty="0">
+                <a:solidFill>
+                  <a:srgbClr val="000000"/>
+                </a:solidFill>
+                <a:latin typeface="+mj-lt"/>
+                <a:ea typeface="+mj-ea"/>
+                <a:cs typeface="+mn-cs"/>
+              </a:rPr>
+              <a:t> חלק מהפיצ'רים והתרחישים המתוארים בדיאגרמות לא מומשו אצלנו בקוד, אופציונליים להרחבת המערכת בעתיד.</a:t>
+            </a:r>
+          </a:p>
+        </p:txBody>
+      </p:sp>
     </p:spTree>
     <p:extLst>
       <p:ext uri="{BB962C8B-B14F-4D97-AF65-F5344CB8AC3E}">
@@ -12319,6 +12473,11 @@
               <a:lumMod val="75000"/>
             </a:schemeClr>
           </a:solidFill>
+          <a:ln>
+            <a:solidFill>
+              <a:schemeClr val="bg1"/>
+            </a:solidFill>
+          </a:ln>
         </p:spPr>
         <p:style>
           <a:lnRef idx="2">
